--- a/Présentation_UML_groupe1.pptx
+++ b/Présentation_UML_groupe1.pptx
@@ -22,8 +22,8 @@
     <p:sldId id="270" r:id="rId16"/>
     <p:sldId id="271" r:id="rId17"/>
     <p:sldId id="272" r:id="rId18"/>
-    <p:sldId id="274" r:id="rId19"/>
-    <p:sldId id="273" r:id="rId20"/>
+    <p:sldId id="273" r:id="rId19"/>
+    <p:sldId id="274" r:id="rId20"/>
   </p:sldIdLst>
   <p:sldSz cx="12192000" cy="6858000"/>
   <p:notesSz cx="6858000" cy="9144000"/>
@@ -122,6 +122,11 @@
       </a:defRPr>
     </a:lvl9pPr>
   </p:defaultTextStyle>
+  <p:extLst>
+    <p:ext uri="{EFAFB233-063F-42B5-8137-9DF3F51BA10A}">
+      <p15:sldGuideLst xmlns:p15="http://schemas.microsoft.com/office/powerpoint/2012/main"/>
+    </p:ext>
+  </p:extLst>
 </p:presentation>
 </file>
 
@@ -8227,59 +8232,9 @@
           <a:chExt cx="0" cy="0"/>
         </a:xfrm>
       </p:grpSpPr>
-      <p:sp>
-        <p:nvSpPr>
-          <p:cNvPr id="2" name="Titre 1"/>
-          <p:cNvSpPr>
-            <a:spLocks noGrp="1"/>
-          </p:cNvSpPr>
-          <p:nvPr>
-            <p:ph type="ctrTitle"/>
-          </p:nvPr>
-        </p:nvSpPr>
-        <p:spPr/>
-        <p:txBody>
-          <a:bodyPr/>
-          <a:lstStyle/>
-          <a:p>
-            <a:r>
-              <a:rPr lang="fr-FR" dirty="0" smtClean="0"/>
-              <a:t>Merci de votre attention</a:t>
-            </a:r>
-            <a:endParaRPr lang="fr-FR" dirty="0"/>
-          </a:p>
-        </p:txBody>
-      </p:sp>
-      <p:sp>
-        <p:nvSpPr>
-          <p:cNvPr id="3" name="Sous-titre 2"/>
-          <p:cNvSpPr>
-            <a:spLocks noGrp="1"/>
-          </p:cNvSpPr>
-          <p:nvPr>
-            <p:ph type="subTitle" idx="1"/>
-          </p:nvPr>
-        </p:nvSpPr>
-        <p:spPr/>
-        <p:txBody>
-          <a:bodyPr/>
-          <a:lstStyle/>
-          <a:p>
-            <a:r>
-              <a:rPr lang="fr-FR" dirty="0" smtClean="0"/>
-              <a:t>Fait par </a:t>
-            </a:r>
-            <a:r>
-              <a:rPr lang="fr-FR" dirty="0" err="1" smtClean="0"/>
-              <a:t>Licornodeveloppo</a:t>
-            </a:r>
-            <a:endParaRPr lang="fr-FR" dirty="0"/>
-          </a:p>
-        </p:txBody>
-      </p:sp>
       <p:pic>
         <p:nvPicPr>
-          <p:cNvPr id="4" name="Image 3"/>
+          <p:cNvPr id="2" name="Image 1"/>
           <p:cNvPicPr>
             <a:picLocks noChangeAspect="1"/>
           </p:cNvPicPr>
@@ -8293,8 +8248,8 @@
         </p:blipFill>
         <p:spPr>
           <a:xfrm>
-            <a:off x="7886232" y="3690969"/>
-            <a:ext cx="2575823" cy="2063159"/>
+            <a:off x="0" y="160196"/>
+            <a:ext cx="12192000" cy="6537607"/>
           </a:xfrm>
           <a:prstGeom prst="rect">
             <a:avLst/>
@@ -8304,7 +8259,7 @@
     </p:spTree>
     <p:extLst>
       <p:ext uri="{BB962C8B-B14F-4D97-AF65-F5344CB8AC3E}">
-        <p14:creationId xmlns:p14="http://schemas.microsoft.com/office/powerpoint/2010/main" val="1855073174"/>
+        <p14:creationId xmlns:p14="http://schemas.microsoft.com/office/powerpoint/2010/main" val="3712475566"/>
       </p:ext>
     </p:extLst>
   </p:cSld>
@@ -8331,9 +8286,69 @@
           <a:chExt cx="0" cy="0"/>
         </a:xfrm>
       </p:grpSpPr>
+      <p:sp>
+        <p:nvSpPr>
+          <p:cNvPr id="2" name="Titre 1"/>
+          <p:cNvSpPr>
+            <a:spLocks noGrp="1"/>
+          </p:cNvSpPr>
+          <p:nvPr>
+            <p:ph type="ctrTitle"/>
+          </p:nvPr>
+        </p:nvSpPr>
+        <p:spPr>
+          <a:xfrm>
+            <a:off x="2102710" y="463379"/>
+            <a:ext cx="8915399" cy="2262781"/>
+          </a:xfrm>
+        </p:spPr>
+        <p:txBody>
+          <a:bodyPr/>
+          <a:lstStyle/>
+          <a:p>
+            <a:r>
+              <a:rPr lang="fr-FR" dirty="0" smtClean="0"/>
+              <a:t>Merci de votre attention</a:t>
+            </a:r>
+            <a:endParaRPr lang="fr-FR" dirty="0"/>
+          </a:p>
+        </p:txBody>
+      </p:sp>
+      <p:sp>
+        <p:nvSpPr>
+          <p:cNvPr id="3" name="Sous-titre 2"/>
+          <p:cNvSpPr>
+            <a:spLocks noGrp="1"/>
+          </p:cNvSpPr>
+          <p:nvPr>
+            <p:ph type="subTitle" idx="1"/>
+          </p:nvPr>
+        </p:nvSpPr>
+        <p:spPr>
+          <a:xfrm>
+            <a:off x="2102710" y="3430493"/>
+            <a:ext cx="8915399" cy="1126283"/>
+          </a:xfrm>
+        </p:spPr>
+        <p:txBody>
+          <a:bodyPr/>
+          <a:lstStyle/>
+          <a:p>
+            <a:r>
+              <a:rPr lang="fr-FR" dirty="0" smtClean="0"/>
+              <a:t>Fait par </a:t>
+            </a:r>
+            <a:r>
+              <a:rPr lang="fr-FR" dirty="0" err="1" smtClean="0"/>
+              <a:t>Licornodeveloppo</a:t>
+            </a:r>
+            <a:endParaRPr lang="fr-FR" dirty="0"/>
+          </a:p>
+        </p:txBody>
+      </p:sp>
       <p:pic>
         <p:nvPicPr>
-          <p:cNvPr id="2" name="Image 1"/>
+          <p:cNvPr id="4" name="Image 3"/>
           <p:cNvPicPr>
             <a:picLocks noChangeAspect="1"/>
           </p:cNvPicPr>
@@ -8347,8 +8362,8 @@
         </p:blipFill>
         <p:spPr>
           <a:xfrm>
-            <a:off x="0" y="160196"/>
-            <a:ext cx="12192000" cy="6537607"/>
+            <a:off x="7144826" y="3628201"/>
+            <a:ext cx="2575823" cy="2063159"/>
           </a:xfrm>
           <a:prstGeom prst="rect">
             <a:avLst/>
@@ -8358,7 +8373,7 @@
     </p:spTree>
     <p:extLst>
       <p:ext uri="{BB962C8B-B14F-4D97-AF65-F5344CB8AC3E}">
-        <p14:creationId xmlns:p14="http://schemas.microsoft.com/office/powerpoint/2010/main" val="3712475566"/>
+        <p14:creationId xmlns:p14="http://schemas.microsoft.com/office/powerpoint/2010/main" val="1855073174"/>
       </p:ext>
     </p:extLst>
   </p:cSld>
